--- a/Azure-Cloud-Shell-MITT.pptx
+++ b/Azure-Cloud-Shell-MITT.pptx
@@ -120,6 +120,11 @@
       </a:defRPr>
     </a:lvl9pPr>
   </p:defaultTextStyle>
+  <p:extLst>
+    <p:ext uri="{EFAFB233-063F-42B5-8137-9DF3F51BA10A}">
+      <p15:sldGuideLst xmlns:p15="http://schemas.microsoft.com/office/powerpoint/2012/main"/>
+    </p:ext>
+  </p:extLst>
 </p:presentation>
 </file>
 
@@ -205,7 +210,7 @@
           <a:p>
             <a:fld id="{9C796B0E-4150-46B8-BA41-CB4654A2B1F8}" type="datetimeFigureOut">
               <a:rPr lang="en-US" smtClean="0"/>
-              <a:t>3/15/2019</a:t>
+              <a:t>4/11/2019</a:t>
             </a:fld>
             <a:endParaRPr lang="en-US"/>
           </a:p>
@@ -711,7 +716,7 @@
           <a:p>
             <a:fld id="{8F8B6ED3-350F-407F-AEFB-B625DAAB20B5}" type="datetimeFigureOut">
               <a:rPr lang="en-US" smtClean="0"/>
-              <a:t>3/15/2019</a:t>
+              <a:t>4/11/2019</a:t>
             </a:fld>
             <a:endParaRPr lang="en-US"/>
           </a:p>
@@ -909,7 +914,7 @@
           <a:p>
             <a:fld id="{8F8B6ED3-350F-407F-AEFB-B625DAAB20B5}" type="datetimeFigureOut">
               <a:rPr lang="en-US" smtClean="0"/>
-              <a:t>3/15/2019</a:t>
+              <a:t>4/11/2019</a:t>
             </a:fld>
             <a:endParaRPr lang="en-US"/>
           </a:p>
@@ -1117,7 +1122,7 @@
           <a:p>
             <a:fld id="{8F8B6ED3-350F-407F-AEFB-B625DAAB20B5}" type="datetimeFigureOut">
               <a:rPr lang="en-US" smtClean="0"/>
-              <a:t>3/15/2019</a:t>
+              <a:t>4/11/2019</a:t>
             </a:fld>
             <a:endParaRPr lang="en-US"/>
           </a:p>
@@ -1315,7 +1320,7 @@
           <a:p>
             <a:fld id="{8F8B6ED3-350F-407F-AEFB-B625DAAB20B5}" type="datetimeFigureOut">
               <a:rPr lang="en-US" smtClean="0"/>
-              <a:t>3/15/2019</a:t>
+              <a:t>4/11/2019</a:t>
             </a:fld>
             <a:endParaRPr lang="en-US"/>
           </a:p>
@@ -1590,7 +1595,7 @@
           <a:p>
             <a:fld id="{8F8B6ED3-350F-407F-AEFB-B625DAAB20B5}" type="datetimeFigureOut">
               <a:rPr lang="en-US" smtClean="0"/>
-              <a:t>3/15/2019</a:t>
+              <a:t>4/11/2019</a:t>
             </a:fld>
             <a:endParaRPr lang="en-US"/>
           </a:p>
@@ -1855,7 +1860,7 @@
           <a:p>
             <a:fld id="{8F8B6ED3-350F-407F-AEFB-B625DAAB20B5}" type="datetimeFigureOut">
               <a:rPr lang="en-US" smtClean="0"/>
-              <a:t>3/15/2019</a:t>
+              <a:t>4/11/2019</a:t>
             </a:fld>
             <a:endParaRPr lang="en-US"/>
           </a:p>
@@ -2267,7 +2272,7 @@
           <a:p>
             <a:fld id="{8F8B6ED3-350F-407F-AEFB-B625DAAB20B5}" type="datetimeFigureOut">
               <a:rPr lang="en-US" smtClean="0"/>
-              <a:t>3/15/2019</a:t>
+              <a:t>4/11/2019</a:t>
             </a:fld>
             <a:endParaRPr lang="en-US"/>
           </a:p>
@@ -2408,7 +2413,7 @@
           <a:p>
             <a:fld id="{8F8B6ED3-350F-407F-AEFB-B625DAAB20B5}" type="datetimeFigureOut">
               <a:rPr lang="en-US" smtClean="0"/>
-              <a:t>3/15/2019</a:t>
+              <a:t>4/11/2019</a:t>
             </a:fld>
             <a:endParaRPr lang="en-US"/>
           </a:p>
@@ -2521,7 +2526,7 @@
           <a:p>
             <a:fld id="{8F8B6ED3-350F-407F-AEFB-B625DAAB20B5}" type="datetimeFigureOut">
               <a:rPr lang="en-US" smtClean="0"/>
-              <a:t>3/15/2019</a:t>
+              <a:t>4/11/2019</a:t>
             </a:fld>
             <a:endParaRPr lang="en-US"/>
           </a:p>
@@ -2832,7 +2837,7 @@
           <a:p>
             <a:fld id="{8F8B6ED3-350F-407F-AEFB-B625DAAB20B5}" type="datetimeFigureOut">
               <a:rPr lang="en-US" smtClean="0"/>
-              <a:t>3/15/2019</a:t>
+              <a:t>4/11/2019</a:t>
             </a:fld>
             <a:endParaRPr lang="en-US"/>
           </a:p>
@@ -3120,7 +3125,7 @@
           <a:p>
             <a:fld id="{8F8B6ED3-350F-407F-AEFB-B625DAAB20B5}" type="datetimeFigureOut">
               <a:rPr lang="en-US" smtClean="0"/>
-              <a:t>3/15/2019</a:t>
+              <a:t>4/11/2019</a:t>
             </a:fld>
             <a:endParaRPr lang="en-US"/>
           </a:p>
@@ -3361,7 +3366,7 @@
           <a:p>
             <a:fld id="{8F8B6ED3-350F-407F-AEFB-B625DAAB20B5}" type="datetimeFigureOut">
               <a:rPr lang="en-US" smtClean="0"/>
-              <a:t>3/15/2019</a:t>
+              <a:t>4/11/2019</a:t>
             </a:fld>
             <a:endParaRPr lang="en-US"/>
           </a:p>
@@ -3841,6 +3846,18 @@
   <p:clrMapOvr>
     <a:masterClrMapping/>
   </p:clrMapOvr>
+  <mc:AlternateContent xmlns:mc="http://schemas.openxmlformats.org/markup-compatibility/2006">
+    <mc:Choice xmlns:p15="http://schemas.microsoft.com/office/powerpoint/2012/main" Requires="p15">
+      <p:transition xmlns:p14="http://schemas.microsoft.com/office/powerpoint/2010/main" spd="slow" p14:dur="6000">
+        <p15:prstTrans prst="curtains"/>
+      </p:transition>
+    </mc:Choice>
+    <mc:Fallback>
+      <p:transition spd="slow">
+        <p:fade/>
+      </p:transition>
+    </mc:Fallback>
+  </mc:AlternateContent>
 </p:sld>
 </file>
 
@@ -4509,6 +4526,18 @@
   <p:clrMapOvr>
     <a:masterClrMapping/>
   </p:clrMapOvr>
+  <mc:AlternateContent xmlns:mc="http://schemas.openxmlformats.org/markup-compatibility/2006">
+    <mc:Choice xmlns:p15="http://schemas.microsoft.com/office/powerpoint/2012/main" Requires="p15">
+      <p:transition xmlns:p14="http://schemas.microsoft.com/office/powerpoint/2010/main" spd="slow" p14:dur="2000">
+        <p15:prstTrans prst="crush"/>
+      </p:transition>
+    </mc:Choice>
+    <mc:Fallback>
+      <p:transition spd="slow">
+        <p:fade/>
+      </p:transition>
+    </mc:Fallback>
+  </mc:AlternateContent>
 </p:sld>
 </file>
 
